--- a/src/main/resources/Inheritance.pptx
+++ b/src/main/resources/Inheritance.pptx
@@ -23,7 +23,9 @@
     <p:sldId id="358" r:id="rId17"/>
     <p:sldId id="359" r:id="rId18"/>
     <p:sldId id="360" r:id="rId19"/>
-    <p:sldId id="345" r:id="rId20"/>
+    <p:sldId id="361" r:id="rId20"/>
+    <p:sldId id="362" r:id="rId21"/>
+    <p:sldId id="345" r:id="rId22"/>
   </p:sldIdLst>
   <p:sldSz cx="12192000" cy="6858000"/>
   <p:notesSz cx="9144000" cy="6858000"/>
@@ -277,7 +279,7 @@
           <a:p>
             <a:fld id="{A25D563A-361C-B040-8B4B-85ABE579906B}" type="datetimeFigureOut">
               <a:rPr lang="en-US" smtClean="0"/>
-              <a:t>9/13/24</a:t>
+              <a:t>9/17/24</a:t>
             </a:fld>
             <a:endParaRPr lang="en-US"/>
           </a:p>
@@ -475,7 +477,7 @@
           <a:p>
             <a:fld id="{A25D563A-361C-B040-8B4B-85ABE579906B}" type="datetimeFigureOut">
               <a:rPr lang="en-US" smtClean="0"/>
-              <a:t>9/13/24</a:t>
+              <a:t>9/17/24</a:t>
             </a:fld>
             <a:endParaRPr lang="en-US"/>
           </a:p>
@@ -683,7 +685,7 @@
           <a:p>
             <a:fld id="{A25D563A-361C-B040-8B4B-85ABE579906B}" type="datetimeFigureOut">
               <a:rPr lang="en-US" smtClean="0"/>
-              <a:t>9/13/24</a:t>
+              <a:t>9/17/24</a:t>
             </a:fld>
             <a:endParaRPr lang="en-US"/>
           </a:p>
@@ -1457,7 +1459,7 @@
           <a:p>
             <a:fld id="{A25D563A-361C-B040-8B4B-85ABE579906B}" type="datetimeFigureOut">
               <a:rPr lang="en-US" smtClean="0"/>
-              <a:t>9/13/24</a:t>
+              <a:t>9/17/24</a:t>
             </a:fld>
             <a:endParaRPr lang="en-US"/>
           </a:p>
@@ -1732,7 +1734,7 @@
           <a:p>
             <a:fld id="{A25D563A-361C-B040-8B4B-85ABE579906B}" type="datetimeFigureOut">
               <a:rPr lang="en-US" smtClean="0"/>
-              <a:t>9/13/24</a:t>
+              <a:t>9/17/24</a:t>
             </a:fld>
             <a:endParaRPr lang="en-US"/>
           </a:p>
@@ -1997,7 +1999,7 @@
           <a:p>
             <a:fld id="{A25D563A-361C-B040-8B4B-85ABE579906B}" type="datetimeFigureOut">
               <a:rPr lang="en-US" smtClean="0"/>
-              <a:t>9/13/24</a:t>
+              <a:t>9/17/24</a:t>
             </a:fld>
             <a:endParaRPr lang="en-US"/>
           </a:p>
@@ -2409,7 +2411,7 @@
           <a:p>
             <a:fld id="{A25D563A-361C-B040-8B4B-85ABE579906B}" type="datetimeFigureOut">
               <a:rPr lang="en-US" smtClean="0"/>
-              <a:t>9/13/24</a:t>
+              <a:t>9/17/24</a:t>
             </a:fld>
             <a:endParaRPr lang="en-US"/>
           </a:p>
@@ -2550,7 +2552,7 @@
           <a:p>
             <a:fld id="{A25D563A-361C-B040-8B4B-85ABE579906B}" type="datetimeFigureOut">
               <a:rPr lang="en-US" smtClean="0"/>
-              <a:t>9/13/24</a:t>
+              <a:t>9/17/24</a:t>
             </a:fld>
             <a:endParaRPr lang="en-US"/>
           </a:p>
@@ -2663,7 +2665,7 @@
           <a:p>
             <a:fld id="{A25D563A-361C-B040-8B4B-85ABE579906B}" type="datetimeFigureOut">
               <a:rPr lang="en-US" smtClean="0"/>
-              <a:t>9/13/24</a:t>
+              <a:t>9/17/24</a:t>
             </a:fld>
             <a:endParaRPr lang="en-US"/>
           </a:p>
@@ -2974,7 +2976,7 @@
           <a:p>
             <a:fld id="{A25D563A-361C-B040-8B4B-85ABE579906B}" type="datetimeFigureOut">
               <a:rPr lang="en-US" smtClean="0"/>
-              <a:t>9/13/24</a:t>
+              <a:t>9/17/24</a:t>
             </a:fld>
             <a:endParaRPr lang="en-US"/>
           </a:p>
@@ -3262,7 +3264,7 @@
           <a:p>
             <a:fld id="{A25D563A-361C-B040-8B4B-85ABE579906B}" type="datetimeFigureOut">
               <a:rPr lang="en-US" smtClean="0"/>
-              <a:t>9/13/24</a:t>
+              <a:t>9/17/24</a:t>
             </a:fld>
             <a:endParaRPr lang="en-US"/>
           </a:p>
@@ -3503,7 +3505,7 @@
           <a:p>
             <a:fld id="{A25D563A-361C-B040-8B4B-85ABE579906B}" type="datetimeFigureOut">
               <a:rPr lang="en-US" smtClean="0"/>
-              <a:t>9/13/24</a:t>
+              <a:t>9/17/24</a:t>
             </a:fld>
             <a:endParaRPr lang="en-US"/>
           </a:p>
@@ -12046,10 +12048,10 @@
       </p:grpSpPr>
       <p:sp>
         <p:nvSpPr>
-          <p:cNvPr id="2" name="Title 1">
-            <a:extLst>
-              <a:ext uri="{FF2B5EF4-FFF2-40B4-BE49-F238E27FC236}">
-                <a16:creationId xmlns:a16="http://schemas.microsoft.com/office/drawing/2014/main" id="{08F0870A-EBCD-13FC-D1A2-49C555C48170}"/>
+          <p:cNvPr id="9" name="Title 8">
+            <a:extLst>
+              <a:ext uri="{FF2B5EF4-FFF2-40B4-BE49-F238E27FC236}">
+                <a16:creationId xmlns:a16="http://schemas.microsoft.com/office/drawing/2014/main" id="{81BBA8C3-1E8B-42C6-58CB-2C634B064CA2}"/>
               </a:ext>
             </a:extLst>
           </p:cNvPr>
@@ -12062,339 +12064,241 @@
         </p:nvSpPr>
         <p:spPr>
           <a:xfrm>
-            <a:off x="893064" y="72518"/>
-            <a:ext cx="10405174" cy="1326514"/>
-          </a:xfrm>
-        </p:spPr>
-        <p:txBody>
-          <a:bodyPr anchor="b">
+            <a:off x="839788" y="628072"/>
+            <a:ext cx="10410103" cy="840509"/>
+          </a:xfrm>
+        </p:spPr>
+        <p:txBody>
+          <a:bodyPr vert="horz" lIns="91440" tIns="45720" rIns="91440" bIns="45720" rtlCol="0" anchor="b">
+            <a:normAutofit fontScale="90000"/>
+          </a:bodyPr>
+          <a:lstStyle/>
+          <a:p>
+            <a:r>
+              <a:rPr lang="en-US" b="1" kern="1200" dirty="0">
+                <a:solidFill>
+                  <a:schemeClr val="accent6"/>
+                </a:solidFill>
+                <a:effectLst/>
+                <a:latin typeface="+mj-lt"/>
+                <a:ea typeface="+mj-ea"/>
+                <a:cs typeface="+mj-cs"/>
+              </a:rPr>
+              <a:t>Aggregation</a:t>
+            </a:r>
+            <a:br>
+              <a:rPr lang="en-US" b="1" kern="1200" dirty="0">
+                <a:effectLst/>
+                <a:latin typeface="+mj-lt"/>
+                <a:ea typeface="+mj-ea"/>
+                <a:cs typeface="+mj-cs"/>
+              </a:rPr>
+            </a:br>
+            <a:endParaRPr lang="en-US" kern="1200" dirty="0">
+              <a:effectLst/>
+              <a:latin typeface="+mj-lt"/>
+              <a:ea typeface="+mj-ea"/>
+              <a:cs typeface="+mj-cs"/>
+            </a:endParaRPr>
+          </a:p>
+        </p:txBody>
+      </p:sp>
+      <p:pic>
+        <p:nvPicPr>
+          <p:cNvPr id="12" name="Picture 11" descr="A graph with a diagram&#10;&#10;Description automatically generated">
+            <a:extLst>
+              <a:ext uri="{FF2B5EF4-FFF2-40B4-BE49-F238E27FC236}">
+                <a16:creationId xmlns:a16="http://schemas.microsoft.com/office/drawing/2014/main" id="{F95677CB-9170-B5FF-CB6F-1F036D853313}"/>
+              </a:ext>
+            </a:extLst>
+          </p:cNvPr>
+          <p:cNvPicPr>
+            <a:picLocks noChangeAspect="1"/>
+          </p:cNvPicPr>
+          <p:nvPr/>
+        </p:nvPicPr>
+        <p:blipFill>
+          <a:blip r:embed="rId2"/>
+          <a:stretch>
+            <a:fillRect/>
+          </a:stretch>
+        </p:blipFill>
+        <p:spPr>
+          <a:xfrm>
+            <a:off x="6610496" y="2640457"/>
+            <a:ext cx="4744892" cy="2241961"/>
+          </a:xfrm>
+          <a:prstGeom prst="rect">
+            <a:avLst/>
+          </a:prstGeom>
+          <a:noFill/>
+        </p:spPr>
+      </p:pic>
+      <p:sp>
+        <p:nvSpPr>
+          <p:cNvPr id="10" name="TextBox 9">
+            <a:extLst>
+              <a:ext uri="{FF2B5EF4-FFF2-40B4-BE49-F238E27FC236}">
+                <a16:creationId xmlns:a16="http://schemas.microsoft.com/office/drawing/2014/main" id="{B8118A00-707F-E7F3-33A8-382EAD13BEAC}"/>
+              </a:ext>
+            </a:extLst>
+          </p:cNvPr>
+          <p:cNvSpPr txBox="1"/>
+          <p:nvPr/>
+        </p:nvSpPr>
+        <p:spPr>
+          <a:xfrm>
+            <a:off x="839788" y="2057400"/>
+            <a:ext cx="5376077" cy="3811588"/>
+          </a:xfrm>
+          <a:prstGeom prst="rect">
+            <a:avLst/>
+          </a:prstGeom>
+        </p:spPr>
+        <p:txBody>
+          <a:bodyPr vert="horz" lIns="91440" tIns="45720" rIns="91440" bIns="45720" rtlCol="0">
             <a:normAutofit/>
           </a:bodyPr>
           <a:lstStyle/>
           <a:p>
-            <a:r>
-              <a:rPr lang="en-US" b="1" dirty="0">
+            <a:pPr>
+              <a:lnSpc>
+                <a:spcPct val="90000"/>
+              </a:lnSpc>
+              <a:spcBef>
+                <a:spcPts val="1000"/>
+              </a:spcBef>
+            </a:pPr>
+            <a:r>
+              <a:rPr lang="en-US" sz="1600" kern="1200" dirty="0">
+                <a:effectLst/>
+                <a:latin typeface="+mn-lt"/>
+                <a:ea typeface="+mn-ea"/>
+                <a:cs typeface="+mn-cs"/>
+              </a:rPr>
+              <a:t>In Java, </a:t>
+            </a:r>
+            <a:r>
+              <a:rPr lang="en-US" sz="1600" b="1" kern="1200" dirty="0">
                 <a:solidFill>
                   <a:schemeClr val="accent6"/>
                 </a:solidFill>
                 <a:effectLst/>
-                <a:latin typeface=".SF NS"/>
-              </a:rPr>
-              <a:t>Example of Inheritance</a:t>
-            </a:r>
-            <a:br>
-              <a:rPr lang="en-US" b="1" dirty="0">
+                <a:latin typeface="+mn-lt"/>
+                <a:ea typeface="+mn-ea"/>
+                <a:cs typeface="+mn-cs"/>
+              </a:rPr>
+              <a:t>Aggregation</a:t>
+            </a:r>
+            <a:r>
+              <a:rPr lang="en-US" sz="1600" kern="1200" dirty="0">
+                <a:effectLst/>
+                <a:latin typeface="+mn-lt"/>
+                <a:ea typeface="+mn-ea"/>
+                <a:cs typeface="+mn-cs"/>
+              </a:rPr>
+              <a:t> is a relationship between two classes that represents a</a:t>
+            </a:r>
+          </a:p>
+          <a:p>
+            <a:pPr>
+              <a:lnSpc>
+                <a:spcPct val="90000"/>
+              </a:lnSpc>
+              <a:spcBef>
+                <a:spcPts val="1000"/>
+              </a:spcBef>
+            </a:pPr>
+            <a:r>
+              <a:rPr lang="en-US" sz="1600" kern="1200" dirty="0">
+                <a:effectLst/>
+                <a:latin typeface="+mn-lt"/>
+                <a:ea typeface="+mn-ea"/>
+                <a:cs typeface="+mn-cs"/>
+              </a:rPr>
+              <a:t> “</a:t>
+            </a:r>
+            <a:r>
+              <a:rPr lang="en-US" sz="1600" b="1" kern="1200" dirty="0">
                 <a:solidFill>
                   <a:schemeClr val="accent6"/>
                 </a:solidFill>
                 <a:effectLst/>
-                <a:latin typeface=".SF NS"/>
-              </a:rPr>
-            </a:br>
-            <a:endParaRPr lang="en-US" dirty="0">
-              <a:solidFill>
-                <a:schemeClr val="accent6"/>
-              </a:solidFill>
-              <a:effectLst/>
-              <a:latin typeface=".SF NS"/>
+                <a:latin typeface="+mn-lt"/>
+                <a:ea typeface="+mn-ea"/>
+                <a:cs typeface="+mn-cs"/>
+              </a:rPr>
+              <a:t>has-a</a:t>
+            </a:r>
+            <a:r>
+              <a:rPr lang="en-US" sz="1600" kern="1200" dirty="0">
+                <a:effectLst/>
+                <a:latin typeface="+mn-lt"/>
+                <a:ea typeface="+mn-ea"/>
+                <a:cs typeface="+mn-cs"/>
+              </a:rPr>
+              <a:t>” relationship, where one class contains a reference to another class as part of its attributes. </a:t>
+            </a:r>
+          </a:p>
+          <a:p>
+            <a:pPr>
+              <a:lnSpc>
+                <a:spcPct val="90000"/>
+              </a:lnSpc>
+              <a:spcBef>
+                <a:spcPts val="1000"/>
+              </a:spcBef>
+            </a:pPr>
+            <a:r>
+              <a:rPr lang="en-US" sz="1600" kern="1200" dirty="0">
+                <a:effectLst/>
+                <a:latin typeface="+mn-lt"/>
+                <a:ea typeface="+mn-ea"/>
+                <a:cs typeface="+mn-cs"/>
+              </a:rPr>
+              <a:t>Aggregation is a form of association but with a stronger relationship, indicating that the contained </a:t>
+            </a:r>
+          </a:p>
+          <a:p>
+            <a:pPr>
+              <a:lnSpc>
+                <a:spcPct val="90000"/>
+              </a:lnSpc>
+              <a:spcBef>
+                <a:spcPts val="1000"/>
+              </a:spcBef>
+            </a:pPr>
+            <a:r>
+              <a:rPr lang="en-US" sz="1600" kern="1200" dirty="0">
+                <a:effectLst/>
+                <a:latin typeface="+mn-lt"/>
+                <a:ea typeface="+mn-ea"/>
+                <a:cs typeface="+mn-cs"/>
+              </a:rPr>
+              <a:t>objects (parts) can exist independently of the container (whole).</a:t>
+            </a:r>
+          </a:p>
+          <a:p>
+            <a:pPr>
+              <a:lnSpc>
+                <a:spcPct val="90000"/>
+              </a:lnSpc>
+              <a:spcBef>
+                <a:spcPts val="1000"/>
+              </a:spcBef>
+            </a:pPr>
+            <a:endParaRPr lang="en-US" sz="1600" kern="1200" dirty="0">
+              <a:latin typeface="+mn-lt"/>
+              <a:ea typeface="+mn-ea"/>
+              <a:cs typeface="+mn-cs"/>
             </a:endParaRPr>
-          </a:p>
-        </p:txBody>
-      </p:sp>
-      <p:sp>
-        <p:nvSpPr>
-          <p:cNvPr id="7" name="Text Placeholder 6">
-            <a:extLst>
-              <a:ext uri="{FF2B5EF4-FFF2-40B4-BE49-F238E27FC236}">
-                <a16:creationId xmlns:a16="http://schemas.microsoft.com/office/drawing/2014/main" id="{70B4EC43-20C2-1DA5-646B-B8D26CF7D003}"/>
-              </a:ext>
-            </a:extLst>
-          </p:cNvPr>
-          <p:cNvSpPr>
-            <a:spLocks noGrp="1"/>
-          </p:cNvSpPr>
-          <p:nvPr>
-            <p:ph sz="quarter" idx="14"/>
-          </p:nvPr>
-        </p:nvSpPr>
-        <p:spPr>
-          <a:xfrm>
-            <a:off x="911352" y="1399033"/>
-            <a:ext cx="10116312" cy="4347400"/>
-          </a:xfrm>
-        </p:spPr>
-        <p:txBody>
-          <a:bodyPr>
-            <a:normAutofit fontScale="55000" lnSpcReduction="20000"/>
-          </a:bodyPr>
-          <a:lstStyle/>
-          <a:p>
-            <a:pPr marL="0" indent="0">
-              <a:buNone/>
-            </a:pPr>
-            <a:r>
-              <a:rPr lang="en-US" sz="4200" dirty="0">
-                <a:solidFill>
-                  <a:schemeClr val="accent6"/>
-                </a:solidFill>
-                <a:latin typeface=".SF NS"/>
-              </a:rPr>
-              <a:t>Private member do not </a:t>
-            </a:r>
-            <a:r>
-              <a:rPr lang="en-US" sz="4200" dirty="0" err="1">
-                <a:solidFill>
-                  <a:schemeClr val="accent6"/>
-                </a:solidFill>
-                <a:latin typeface=".SF NS"/>
-              </a:rPr>
-              <a:t>inherate</a:t>
-            </a:r>
-            <a:endParaRPr lang="en-US" sz="4200" dirty="0">
-              <a:solidFill>
-                <a:schemeClr val="accent6"/>
-              </a:solidFill>
-              <a:latin typeface=".SF NS"/>
-            </a:endParaRPr>
-          </a:p>
-          <a:p>
-            <a:pPr marL="0" indent="0">
-              <a:buNone/>
-            </a:pPr>
-            <a:endParaRPr lang="en-US" sz="4200" dirty="0">
-              <a:solidFill>
-                <a:schemeClr val="accent6"/>
-              </a:solidFill>
-              <a:latin typeface=".SF NS"/>
-            </a:endParaRPr>
-          </a:p>
-          <a:p>
-            <a:pPr marL="0" indent="0">
-              <a:buNone/>
-            </a:pPr>
-            <a:r>
-              <a:rPr lang="en-US" sz="4200" dirty="0">
-                <a:solidFill>
-                  <a:schemeClr val="accent6"/>
-                </a:solidFill>
-                <a:latin typeface=".SF NS"/>
-              </a:rPr>
-              <a:t>What is aggregation</a:t>
-            </a:r>
-          </a:p>
-          <a:p>
-            <a:pPr marL="0" indent="0">
-              <a:buNone/>
-            </a:pPr>
-            <a:r>
-              <a:rPr lang="en-US" sz="4200" dirty="0">
-                <a:solidFill>
-                  <a:schemeClr val="accent6"/>
-                </a:solidFill>
-                <a:latin typeface=".SF NS"/>
-              </a:rPr>
-              <a:t>Limitations</a:t>
-            </a:r>
-          </a:p>
-          <a:p>
-            <a:pPr marL="0" indent="0">
-              <a:buNone/>
-            </a:pPr>
-            <a:r>
-              <a:rPr lang="en-US" sz="4200" dirty="0">
-                <a:solidFill>
-                  <a:schemeClr val="accent6"/>
-                </a:solidFill>
-                <a:latin typeface=".SF NS"/>
-              </a:rPr>
-              <a:t>Public members are accessible </a:t>
-            </a:r>
-          </a:p>
-          <a:p>
-            <a:pPr marL="0" indent="0">
-              <a:buNone/>
-            </a:pPr>
-            <a:r>
-              <a:rPr lang="en-US" sz="4200" dirty="0">
-                <a:solidFill>
-                  <a:schemeClr val="accent6"/>
-                </a:solidFill>
-                <a:latin typeface=".SF NS"/>
-              </a:rPr>
-              <a:t>Default, </a:t>
-            </a:r>
-          </a:p>
-          <a:p>
-            <a:pPr marL="0" indent="0">
-              <a:buNone/>
-            </a:pPr>
-            <a:r>
-              <a:rPr lang="en-US" sz="4200" dirty="0">
-                <a:solidFill>
-                  <a:schemeClr val="accent6"/>
-                </a:solidFill>
-                <a:latin typeface=".SF NS"/>
-              </a:rPr>
-              <a:t>Protected</a:t>
-            </a:r>
-          </a:p>
-          <a:p>
-            <a:pPr marL="0" indent="0">
-              <a:buNone/>
-            </a:pPr>
-            <a:r>
-              <a:rPr lang="en-US" sz="4200" dirty="0">
-                <a:solidFill>
-                  <a:schemeClr val="accent6"/>
-                </a:solidFill>
-                <a:latin typeface=".SF NS"/>
-              </a:rPr>
-              <a:t>Interfaces?</a:t>
-            </a:r>
-          </a:p>
-          <a:p>
-            <a:pPr marL="0" indent="0">
-              <a:buNone/>
-            </a:pPr>
-            <a:r>
-              <a:rPr lang="en-US" sz="4200" dirty="0">
-                <a:solidFill>
-                  <a:schemeClr val="accent6"/>
-                </a:solidFill>
-                <a:latin typeface=".SF NS"/>
-              </a:rPr>
-              <a:t>Extend more than one class vs interface</a:t>
-            </a:r>
-          </a:p>
-          <a:p>
-            <a:pPr marL="0" indent="0">
-              <a:buNone/>
-            </a:pPr>
-            <a:r>
-              <a:rPr lang="en-US" sz="4200" dirty="0">
-                <a:solidFill>
-                  <a:schemeClr val="accent6"/>
-                </a:solidFill>
-                <a:latin typeface=".SF NS"/>
-              </a:rPr>
-              <a:t>Overload methods </a:t>
-            </a:r>
-            <a:r>
-              <a:rPr lang="en-US" sz="4200" dirty="0" err="1">
-                <a:solidFill>
-                  <a:schemeClr val="accent6"/>
-                </a:solidFill>
-                <a:latin typeface=".SF NS"/>
-              </a:rPr>
-              <a:t>wth</a:t>
-            </a:r>
-            <a:r>
-              <a:rPr lang="en-US" sz="4200" dirty="0">
-                <a:solidFill>
-                  <a:schemeClr val="accent6"/>
-                </a:solidFill>
-                <a:latin typeface=".SF NS"/>
-              </a:rPr>
-              <a:t> generics with diff return types (polymorphism )</a:t>
-            </a:r>
-          </a:p>
-          <a:p>
-            <a:pPr marL="0" indent="0">
-              <a:buNone/>
-            </a:pPr>
-            <a:r>
-              <a:rPr lang="en-US" sz="4200" dirty="0">
-                <a:solidFill>
-                  <a:schemeClr val="accent6"/>
-                </a:solidFill>
-                <a:latin typeface=".SF NS"/>
-              </a:rPr>
-              <a:t> in spring we use composition more than extending a class</a:t>
-            </a:r>
-          </a:p>
-          <a:p>
-            <a:pPr marL="0" indent="0">
-              <a:buNone/>
-            </a:pPr>
-            <a:r>
-              <a:rPr lang="en-US" sz="4200" dirty="0">
-                <a:solidFill>
-                  <a:schemeClr val="accent6"/>
-                </a:solidFill>
-                <a:effectLst/>
-                <a:latin typeface=".SF NS"/>
-              </a:rPr>
-              <a:t>Final class no</a:t>
-            </a:r>
-            <a:r>
-              <a:rPr lang="en-US" sz="4200" dirty="0">
-                <a:solidFill>
-                  <a:schemeClr val="accent6"/>
-                </a:solidFill>
-                <a:latin typeface=".SF NS"/>
-              </a:rPr>
-              <a:t>t for inheritance </a:t>
-            </a:r>
-            <a:endParaRPr lang="en-US" dirty="0">
-              <a:solidFill>
-                <a:srgbClr val="0E0E0E"/>
-              </a:solidFill>
-              <a:effectLst/>
-              <a:latin typeface=".SF NS"/>
-            </a:endParaRPr>
-          </a:p>
-        </p:txBody>
-      </p:sp>
-      <p:sp>
-        <p:nvSpPr>
-          <p:cNvPr id="3" name="Slide Number Placeholder 2">
-            <a:extLst>
-              <a:ext uri="{FF2B5EF4-FFF2-40B4-BE49-F238E27FC236}">
-                <a16:creationId xmlns:a16="http://schemas.microsoft.com/office/drawing/2014/main" id="{089920E1-1F47-D3FB-B5CD-7110B3795525}"/>
-              </a:ext>
-            </a:extLst>
-          </p:cNvPr>
-          <p:cNvSpPr>
-            <a:spLocks noGrp="1"/>
-          </p:cNvSpPr>
-          <p:nvPr>
-            <p:ph type="sldNum" sz="quarter" idx="12"/>
-          </p:nvPr>
-        </p:nvSpPr>
-        <p:spPr>
-          <a:xfrm>
-            <a:off x="911352" y="6246622"/>
-            <a:ext cx="2670048" cy="365125"/>
-          </a:xfrm>
-        </p:spPr>
-        <p:txBody>
-          <a:bodyPr anchor="ctr">
-            <a:normAutofit/>
-          </a:bodyPr>
-          <a:lstStyle/>
-          <a:p>
-            <a:pPr>
-              <a:spcAft>
-                <a:spcPts val="600"/>
-              </a:spcAft>
-            </a:pPr>
-            <a:fld id="{B5CEABB6-07DC-46E8-9B57-56EC44A396E5}" type="slidenum">
-              <a:rPr lang="en-US" smtClean="0"/>
-              <a:pPr>
-                <a:spcAft>
-                  <a:spcPts val="600"/>
-                </a:spcAft>
-              </a:pPr>
-              <a:t>19</a:t>
-            </a:fld>
-            <a:endParaRPr lang="en-US"/>
           </a:p>
         </p:txBody>
       </p:sp>
     </p:spTree>
     <p:extLst>
       <p:ext uri="{BB962C8B-B14F-4D97-AF65-F5344CB8AC3E}">
-        <p14:creationId xmlns:p14="http://schemas.microsoft.com/office/powerpoint/2010/main" val="3530816108"/>
+        <p14:creationId xmlns:p14="http://schemas.microsoft.com/office/powerpoint/2010/main" val="3148495691"/>
       </p:ext>
     </p:extLst>
   </p:cSld>
@@ -12721,6 +12625,753 @@
     <p:extLst>
       <p:ext uri="{BB962C8B-B14F-4D97-AF65-F5344CB8AC3E}">
         <p14:creationId xmlns:p14="http://schemas.microsoft.com/office/powerpoint/2010/main" val="3414522019"/>
+      </p:ext>
+    </p:extLst>
+  </p:cSld>
+  <p:clrMapOvr>
+    <a:masterClrMapping/>
+  </p:clrMapOvr>
+</p:sld>
+</file>
+
+<file path=ppt/slides/slide20.xml><?xml version="1.0" encoding="utf-8"?>
+<p:sld xmlns:a="http://schemas.openxmlformats.org/drawingml/2006/main" xmlns:r="http://schemas.openxmlformats.org/officeDocument/2006/relationships" xmlns:p="http://schemas.openxmlformats.org/presentationml/2006/main">
+  <p:cSld>
+    <p:spTree>
+      <p:nvGrpSpPr>
+        <p:cNvPr id="1" name=""/>
+        <p:cNvGrpSpPr/>
+        <p:nvPr/>
+      </p:nvGrpSpPr>
+      <p:grpSpPr>
+        <a:xfrm>
+          <a:off x="0" y="0"/>
+          <a:ext cx="0" cy="0"/>
+          <a:chOff x="0" y="0"/>
+          <a:chExt cx="0" cy="0"/>
+        </a:xfrm>
+      </p:grpSpPr>
+      <p:sp>
+        <p:nvSpPr>
+          <p:cNvPr id="9" name="Title 8">
+            <a:extLst>
+              <a:ext uri="{FF2B5EF4-FFF2-40B4-BE49-F238E27FC236}">
+                <a16:creationId xmlns:a16="http://schemas.microsoft.com/office/drawing/2014/main" id="{81BBA8C3-1E8B-42C6-58CB-2C634B064CA2}"/>
+              </a:ext>
+            </a:extLst>
+          </p:cNvPr>
+          <p:cNvSpPr>
+            <a:spLocks noGrp="1"/>
+          </p:cNvSpPr>
+          <p:nvPr>
+            <p:ph type="title"/>
+          </p:nvPr>
+        </p:nvSpPr>
+        <p:spPr>
+          <a:xfrm>
+            <a:off x="839788" y="628072"/>
+            <a:ext cx="10410103" cy="840509"/>
+          </a:xfrm>
+        </p:spPr>
+        <p:txBody>
+          <a:bodyPr vert="horz" lIns="91440" tIns="45720" rIns="91440" bIns="45720" rtlCol="0" anchor="b">
+            <a:normAutofit fontScale="90000"/>
+          </a:bodyPr>
+          <a:lstStyle/>
+          <a:p>
+            <a:r>
+              <a:rPr lang="en-US" b="1" kern="1200" dirty="0">
+                <a:solidFill>
+                  <a:schemeClr val="accent6"/>
+                </a:solidFill>
+                <a:effectLst/>
+                <a:latin typeface="+mj-lt"/>
+                <a:ea typeface="+mj-ea"/>
+                <a:cs typeface="+mj-cs"/>
+              </a:rPr>
+              <a:t>Aggregation in Spring</a:t>
+            </a:r>
+            <a:br>
+              <a:rPr lang="en-US" b="1" kern="1200" dirty="0">
+                <a:effectLst/>
+                <a:latin typeface="+mj-lt"/>
+                <a:ea typeface="+mj-ea"/>
+                <a:cs typeface="+mj-cs"/>
+              </a:rPr>
+            </a:br>
+            <a:endParaRPr lang="en-US" kern="1200" dirty="0">
+              <a:effectLst/>
+              <a:latin typeface="+mj-lt"/>
+              <a:ea typeface="+mj-ea"/>
+              <a:cs typeface="+mj-cs"/>
+            </a:endParaRPr>
+          </a:p>
+        </p:txBody>
+      </p:sp>
+      <p:pic>
+        <p:nvPicPr>
+          <p:cNvPr id="12" name="Picture 11" descr="A graph with a diagram&#10;&#10;Description automatically generated">
+            <a:extLst>
+              <a:ext uri="{FF2B5EF4-FFF2-40B4-BE49-F238E27FC236}">
+                <a16:creationId xmlns:a16="http://schemas.microsoft.com/office/drawing/2014/main" id="{F95677CB-9170-B5FF-CB6F-1F036D853313}"/>
+              </a:ext>
+            </a:extLst>
+          </p:cNvPr>
+          <p:cNvPicPr>
+            <a:picLocks noChangeAspect="1"/>
+          </p:cNvPicPr>
+          <p:nvPr/>
+        </p:nvPicPr>
+        <p:blipFill>
+          <a:blip r:embed="rId2"/>
+          <a:stretch>
+            <a:fillRect/>
+          </a:stretch>
+        </p:blipFill>
+        <p:spPr>
+          <a:xfrm>
+            <a:off x="6610496" y="2640457"/>
+            <a:ext cx="4744892" cy="2241961"/>
+          </a:xfrm>
+          <a:prstGeom prst="rect">
+            <a:avLst/>
+          </a:prstGeom>
+          <a:noFill/>
+        </p:spPr>
+      </p:pic>
+      <p:sp>
+        <p:nvSpPr>
+          <p:cNvPr id="10" name="TextBox 9">
+            <a:extLst>
+              <a:ext uri="{FF2B5EF4-FFF2-40B4-BE49-F238E27FC236}">
+                <a16:creationId xmlns:a16="http://schemas.microsoft.com/office/drawing/2014/main" id="{B8118A00-707F-E7F3-33A8-382EAD13BEAC}"/>
+              </a:ext>
+            </a:extLst>
+          </p:cNvPr>
+          <p:cNvSpPr txBox="1"/>
+          <p:nvPr/>
+        </p:nvSpPr>
+        <p:spPr>
+          <a:xfrm>
+            <a:off x="839788" y="2057400"/>
+            <a:ext cx="5376077" cy="3811588"/>
+          </a:xfrm>
+          <a:prstGeom prst="rect">
+            <a:avLst/>
+          </a:prstGeom>
+        </p:spPr>
+        <p:txBody>
+          <a:bodyPr vert="horz" lIns="91440" tIns="45720" rIns="91440" bIns="45720" rtlCol="0">
+            <a:normAutofit/>
+          </a:bodyPr>
+          <a:lstStyle/>
+          <a:p>
+            <a:pPr>
+              <a:lnSpc>
+                <a:spcPct val="90000"/>
+              </a:lnSpc>
+              <a:spcBef>
+                <a:spcPts val="1000"/>
+              </a:spcBef>
+            </a:pPr>
+            <a:r>
+              <a:rPr lang="en-US" sz="1600" kern="1200" dirty="0">
+                <a:effectLst/>
+                <a:latin typeface="+mn-lt"/>
+                <a:ea typeface="+mn-ea"/>
+                <a:cs typeface="+mn-cs"/>
+              </a:rPr>
+              <a:t>In Java, </a:t>
+            </a:r>
+            <a:r>
+              <a:rPr lang="en-US" sz="1600" b="1" kern="1200" dirty="0">
+                <a:solidFill>
+                  <a:schemeClr val="accent6"/>
+                </a:solidFill>
+                <a:effectLst/>
+                <a:latin typeface="+mn-lt"/>
+                <a:ea typeface="+mn-ea"/>
+                <a:cs typeface="+mn-cs"/>
+              </a:rPr>
+              <a:t>Aggregation</a:t>
+            </a:r>
+            <a:r>
+              <a:rPr lang="en-US" sz="1600" kern="1200" dirty="0">
+                <a:effectLst/>
+                <a:latin typeface="+mn-lt"/>
+                <a:ea typeface="+mn-ea"/>
+                <a:cs typeface="+mn-cs"/>
+              </a:rPr>
+              <a:t> is a relationship between two classes that represents a</a:t>
+            </a:r>
+          </a:p>
+          <a:p>
+            <a:pPr>
+              <a:lnSpc>
+                <a:spcPct val="90000"/>
+              </a:lnSpc>
+              <a:spcBef>
+                <a:spcPts val="1000"/>
+              </a:spcBef>
+            </a:pPr>
+            <a:r>
+              <a:rPr lang="en-US" sz="1600" kern="1200" dirty="0">
+                <a:effectLst/>
+                <a:latin typeface="+mn-lt"/>
+                <a:ea typeface="+mn-ea"/>
+                <a:cs typeface="+mn-cs"/>
+              </a:rPr>
+              <a:t> “</a:t>
+            </a:r>
+            <a:r>
+              <a:rPr lang="en-US" sz="1600" b="1" kern="1200" dirty="0">
+                <a:solidFill>
+                  <a:schemeClr val="accent6"/>
+                </a:solidFill>
+                <a:effectLst/>
+                <a:latin typeface="+mn-lt"/>
+                <a:ea typeface="+mn-ea"/>
+                <a:cs typeface="+mn-cs"/>
+              </a:rPr>
+              <a:t>has-a</a:t>
+            </a:r>
+            <a:r>
+              <a:rPr lang="en-US" sz="1600" kern="1200" dirty="0">
+                <a:effectLst/>
+                <a:latin typeface="+mn-lt"/>
+                <a:ea typeface="+mn-ea"/>
+                <a:cs typeface="+mn-cs"/>
+              </a:rPr>
+              <a:t>” relationship, where one class contains a reference to another class as part of its attributes. </a:t>
+            </a:r>
+          </a:p>
+          <a:p>
+            <a:pPr>
+              <a:lnSpc>
+                <a:spcPct val="90000"/>
+              </a:lnSpc>
+              <a:spcBef>
+                <a:spcPts val="1000"/>
+              </a:spcBef>
+            </a:pPr>
+            <a:r>
+              <a:rPr lang="en-US" sz="1600" kern="1200" dirty="0">
+                <a:effectLst/>
+                <a:latin typeface="+mn-lt"/>
+                <a:ea typeface="+mn-ea"/>
+                <a:cs typeface="+mn-cs"/>
+              </a:rPr>
+              <a:t>Aggregation is a form of association but with a stronger relationship, indicating that the contained </a:t>
+            </a:r>
+          </a:p>
+          <a:p>
+            <a:pPr>
+              <a:lnSpc>
+                <a:spcPct val="90000"/>
+              </a:lnSpc>
+              <a:spcBef>
+                <a:spcPts val="1000"/>
+              </a:spcBef>
+            </a:pPr>
+            <a:r>
+              <a:rPr lang="en-US" sz="1600" kern="1200" dirty="0">
+                <a:effectLst/>
+                <a:latin typeface="+mn-lt"/>
+                <a:ea typeface="+mn-ea"/>
+                <a:cs typeface="+mn-cs"/>
+              </a:rPr>
+              <a:t>objects (parts) can exist independently of the container (whole).</a:t>
+            </a:r>
+          </a:p>
+          <a:p>
+            <a:pPr>
+              <a:lnSpc>
+                <a:spcPct val="90000"/>
+              </a:lnSpc>
+              <a:spcBef>
+                <a:spcPts val="1000"/>
+              </a:spcBef>
+            </a:pPr>
+            <a:endParaRPr lang="en-US" sz="1600" kern="1200" dirty="0">
+              <a:latin typeface="+mn-lt"/>
+              <a:ea typeface="+mn-ea"/>
+              <a:cs typeface="+mn-cs"/>
+            </a:endParaRPr>
+          </a:p>
+        </p:txBody>
+      </p:sp>
+      <p:sp>
+        <p:nvSpPr>
+          <p:cNvPr id="2" name="TextBox 1">
+            <a:extLst>
+              <a:ext uri="{FF2B5EF4-FFF2-40B4-BE49-F238E27FC236}">
+                <a16:creationId xmlns:a16="http://schemas.microsoft.com/office/drawing/2014/main" id="{9A4C2B47-43C5-5507-A5AF-5065E1BEBB3D}"/>
+              </a:ext>
+            </a:extLst>
+          </p:cNvPr>
+          <p:cNvSpPr txBox="1"/>
+          <p:nvPr/>
+        </p:nvSpPr>
+        <p:spPr>
+          <a:xfrm>
+            <a:off x="7887855" y="1874982"/>
+            <a:ext cx="2481770" cy="369332"/>
+          </a:xfrm>
+          <a:prstGeom prst="rect">
+            <a:avLst/>
+          </a:prstGeom>
+          <a:noFill/>
+        </p:spPr>
+        <p:txBody>
+          <a:bodyPr wrap="none" rtlCol="0">
+            <a:spAutoFit/>
+          </a:bodyPr>
+          <a:lstStyle/>
+          <a:p>
+            <a:r>
+              <a:rPr lang="en-US" b="1" dirty="0">
+                <a:solidFill>
+                  <a:schemeClr val="accent6"/>
+                </a:solidFill>
+              </a:rPr>
+              <a:t>Dependency Injection</a:t>
+            </a:r>
+          </a:p>
+        </p:txBody>
+      </p:sp>
+      <p:sp>
+        <p:nvSpPr>
+          <p:cNvPr id="3" name="TextBox 2">
+            <a:extLst>
+              <a:ext uri="{FF2B5EF4-FFF2-40B4-BE49-F238E27FC236}">
+                <a16:creationId xmlns:a16="http://schemas.microsoft.com/office/drawing/2014/main" id="{3C362469-5482-CBA4-4A66-5FEB8BB91ECA}"/>
+              </a:ext>
+            </a:extLst>
+          </p:cNvPr>
+          <p:cNvSpPr txBox="1"/>
+          <p:nvPr/>
+        </p:nvSpPr>
+        <p:spPr>
+          <a:xfrm>
+            <a:off x="8497455" y="5430982"/>
+            <a:ext cx="1465914" cy="369332"/>
+          </a:xfrm>
+          <a:prstGeom prst="rect">
+            <a:avLst/>
+          </a:prstGeom>
+          <a:noFill/>
+        </p:spPr>
+        <p:txBody>
+          <a:bodyPr wrap="none" rtlCol="0">
+            <a:spAutoFit/>
+          </a:bodyPr>
+          <a:lstStyle/>
+          <a:p>
+            <a:r>
+              <a:rPr lang="en-US" b="1" dirty="0">
+                <a:solidFill>
+                  <a:schemeClr val="accent6"/>
+                </a:solidFill>
+              </a:rPr>
+              <a:t>@</a:t>
+            </a:r>
+            <a:r>
+              <a:rPr lang="en-US" b="1" dirty="0" err="1">
+                <a:solidFill>
+                  <a:schemeClr val="accent6"/>
+                </a:solidFill>
+              </a:rPr>
+              <a:t>Autowired</a:t>
+            </a:r>
+            <a:endParaRPr lang="en-US" b="1" dirty="0">
+              <a:solidFill>
+                <a:schemeClr val="accent6"/>
+              </a:solidFill>
+            </a:endParaRPr>
+          </a:p>
+        </p:txBody>
+      </p:sp>
+    </p:spTree>
+    <p:extLst>
+      <p:ext uri="{BB962C8B-B14F-4D97-AF65-F5344CB8AC3E}">
+        <p14:creationId xmlns:p14="http://schemas.microsoft.com/office/powerpoint/2010/main" val="2300829"/>
+      </p:ext>
+    </p:extLst>
+  </p:cSld>
+  <p:clrMapOvr>
+    <a:masterClrMapping/>
+  </p:clrMapOvr>
+</p:sld>
+</file>
+
+<file path=ppt/slides/slide21.xml><?xml version="1.0" encoding="utf-8"?>
+<p:sld xmlns:a="http://schemas.openxmlformats.org/drawingml/2006/main" xmlns:r="http://schemas.openxmlformats.org/officeDocument/2006/relationships" xmlns:p="http://schemas.openxmlformats.org/presentationml/2006/main">
+  <p:cSld>
+    <p:spTree>
+      <p:nvGrpSpPr>
+        <p:cNvPr id="1" name=""/>
+        <p:cNvGrpSpPr/>
+        <p:nvPr/>
+      </p:nvGrpSpPr>
+      <p:grpSpPr>
+        <a:xfrm>
+          <a:off x="0" y="0"/>
+          <a:ext cx="0" cy="0"/>
+          <a:chOff x="0" y="0"/>
+          <a:chExt cx="0" cy="0"/>
+        </a:xfrm>
+      </p:grpSpPr>
+      <p:sp>
+        <p:nvSpPr>
+          <p:cNvPr id="2" name="Title 1">
+            <a:extLst>
+              <a:ext uri="{FF2B5EF4-FFF2-40B4-BE49-F238E27FC236}">
+                <a16:creationId xmlns:a16="http://schemas.microsoft.com/office/drawing/2014/main" id="{08F0870A-EBCD-13FC-D1A2-49C555C48170}"/>
+              </a:ext>
+            </a:extLst>
+          </p:cNvPr>
+          <p:cNvSpPr>
+            <a:spLocks noGrp="1"/>
+          </p:cNvSpPr>
+          <p:nvPr>
+            <p:ph type="title"/>
+          </p:nvPr>
+        </p:nvSpPr>
+        <p:spPr>
+          <a:xfrm>
+            <a:off x="893064" y="72518"/>
+            <a:ext cx="10405174" cy="1326514"/>
+          </a:xfrm>
+        </p:spPr>
+        <p:txBody>
+          <a:bodyPr anchor="b">
+            <a:normAutofit/>
+          </a:bodyPr>
+          <a:lstStyle/>
+          <a:p>
+            <a:r>
+              <a:rPr lang="en-US" b="1" dirty="0">
+                <a:solidFill>
+                  <a:schemeClr val="accent6"/>
+                </a:solidFill>
+                <a:effectLst/>
+                <a:latin typeface=".SF NS"/>
+              </a:rPr>
+              <a:t>Example of Inheritance</a:t>
+            </a:r>
+            <a:br>
+              <a:rPr lang="en-US" b="1" dirty="0">
+                <a:solidFill>
+                  <a:schemeClr val="accent6"/>
+                </a:solidFill>
+                <a:effectLst/>
+                <a:latin typeface=".SF NS"/>
+              </a:rPr>
+            </a:br>
+            <a:endParaRPr lang="en-US" dirty="0">
+              <a:solidFill>
+                <a:schemeClr val="accent6"/>
+              </a:solidFill>
+              <a:effectLst/>
+              <a:latin typeface=".SF NS"/>
+            </a:endParaRPr>
+          </a:p>
+        </p:txBody>
+      </p:sp>
+      <p:sp>
+        <p:nvSpPr>
+          <p:cNvPr id="7" name="Text Placeholder 6">
+            <a:extLst>
+              <a:ext uri="{FF2B5EF4-FFF2-40B4-BE49-F238E27FC236}">
+                <a16:creationId xmlns:a16="http://schemas.microsoft.com/office/drawing/2014/main" id="{70B4EC43-20C2-1DA5-646B-B8D26CF7D003}"/>
+              </a:ext>
+            </a:extLst>
+          </p:cNvPr>
+          <p:cNvSpPr>
+            <a:spLocks noGrp="1"/>
+          </p:cNvSpPr>
+          <p:nvPr>
+            <p:ph sz="quarter" idx="14"/>
+          </p:nvPr>
+        </p:nvSpPr>
+        <p:spPr>
+          <a:xfrm>
+            <a:off x="911352" y="1399033"/>
+            <a:ext cx="10116312" cy="4347400"/>
+          </a:xfrm>
+        </p:spPr>
+        <p:txBody>
+          <a:bodyPr>
+            <a:normAutofit fontScale="55000" lnSpcReduction="20000"/>
+          </a:bodyPr>
+          <a:lstStyle/>
+          <a:p>
+            <a:pPr marL="0" indent="0">
+              <a:buNone/>
+            </a:pPr>
+            <a:r>
+              <a:rPr lang="en-US" sz="4200" dirty="0">
+                <a:solidFill>
+                  <a:schemeClr val="accent6"/>
+                </a:solidFill>
+                <a:latin typeface=".SF NS"/>
+              </a:rPr>
+              <a:t>Private member do not </a:t>
+            </a:r>
+            <a:r>
+              <a:rPr lang="en-US" sz="4200" dirty="0" err="1">
+                <a:solidFill>
+                  <a:schemeClr val="accent6"/>
+                </a:solidFill>
+                <a:latin typeface=".SF NS"/>
+              </a:rPr>
+              <a:t>inherate</a:t>
+            </a:r>
+            <a:endParaRPr lang="en-US" sz="4200" dirty="0">
+              <a:solidFill>
+                <a:schemeClr val="accent6"/>
+              </a:solidFill>
+              <a:latin typeface=".SF NS"/>
+            </a:endParaRPr>
+          </a:p>
+          <a:p>
+            <a:pPr marL="0" indent="0">
+              <a:buNone/>
+            </a:pPr>
+            <a:endParaRPr lang="en-US" sz="4200" dirty="0">
+              <a:solidFill>
+                <a:schemeClr val="accent6"/>
+              </a:solidFill>
+              <a:latin typeface=".SF NS"/>
+            </a:endParaRPr>
+          </a:p>
+          <a:p>
+            <a:pPr marL="0" indent="0">
+              <a:buNone/>
+            </a:pPr>
+            <a:r>
+              <a:rPr lang="en-US" sz="4200" dirty="0">
+                <a:solidFill>
+                  <a:schemeClr val="accent6"/>
+                </a:solidFill>
+                <a:latin typeface=".SF NS"/>
+              </a:rPr>
+              <a:t>What is aggregation</a:t>
+            </a:r>
+          </a:p>
+          <a:p>
+            <a:pPr marL="0" indent="0">
+              <a:buNone/>
+            </a:pPr>
+            <a:r>
+              <a:rPr lang="en-US" sz="4200" dirty="0">
+                <a:solidFill>
+                  <a:schemeClr val="accent6"/>
+                </a:solidFill>
+                <a:latin typeface=".SF NS"/>
+              </a:rPr>
+              <a:t>Limitations</a:t>
+            </a:r>
+          </a:p>
+          <a:p>
+            <a:pPr marL="0" indent="0">
+              <a:buNone/>
+            </a:pPr>
+            <a:r>
+              <a:rPr lang="en-US" sz="4200" dirty="0">
+                <a:solidFill>
+                  <a:schemeClr val="accent6"/>
+                </a:solidFill>
+                <a:latin typeface=".SF NS"/>
+              </a:rPr>
+              <a:t>Public members are accessible </a:t>
+            </a:r>
+          </a:p>
+          <a:p>
+            <a:pPr marL="0" indent="0">
+              <a:buNone/>
+            </a:pPr>
+            <a:r>
+              <a:rPr lang="en-US" sz="4200" dirty="0">
+                <a:solidFill>
+                  <a:schemeClr val="accent6"/>
+                </a:solidFill>
+                <a:latin typeface=".SF NS"/>
+              </a:rPr>
+              <a:t>Default, </a:t>
+            </a:r>
+          </a:p>
+          <a:p>
+            <a:pPr marL="0" indent="0">
+              <a:buNone/>
+            </a:pPr>
+            <a:r>
+              <a:rPr lang="en-US" sz="4200" dirty="0">
+                <a:solidFill>
+                  <a:schemeClr val="accent6"/>
+                </a:solidFill>
+                <a:latin typeface=".SF NS"/>
+              </a:rPr>
+              <a:t>Protected</a:t>
+            </a:r>
+          </a:p>
+          <a:p>
+            <a:pPr marL="0" indent="0">
+              <a:buNone/>
+            </a:pPr>
+            <a:r>
+              <a:rPr lang="en-US" sz="4200" dirty="0">
+                <a:solidFill>
+                  <a:schemeClr val="accent6"/>
+                </a:solidFill>
+                <a:latin typeface=".SF NS"/>
+              </a:rPr>
+              <a:t>Interfaces?</a:t>
+            </a:r>
+          </a:p>
+          <a:p>
+            <a:pPr marL="0" indent="0">
+              <a:buNone/>
+            </a:pPr>
+            <a:r>
+              <a:rPr lang="en-US" sz="4200" dirty="0">
+                <a:solidFill>
+                  <a:schemeClr val="accent6"/>
+                </a:solidFill>
+                <a:latin typeface=".SF NS"/>
+              </a:rPr>
+              <a:t>Extend more than one class vs interface</a:t>
+            </a:r>
+          </a:p>
+          <a:p>
+            <a:pPr marL="0" indent="0">
+              <a:buNone/>
+            </a:pPr>
+            <a:r>
+              <a:rPr lang="en-US" sz="4200" dirty="0">
+                <a:solidFill>
+                  <a:schemeClr val="accent6"/>
+                </a:solidFill>
+                <a:latin typeface=".SF NS"/>
+              </a:rPr>
+              <a:t>Overload methods </a:t>
+            </a:r>
+            <a:r>
+              <a:rPr lang="en-US" sz="4200" dirty="0" err="1">
+                <a:solidFill>
+                  <a:schemeClr val="accent6"/>
+                </a:solidFill>
+                <a:latin typeface=".SF NS"/>
+              </a:rPr>
+              <a:t>wth</a:t>
+            </a:r>
+            <a:r>
+              <a:rPr lang="en-US" sz="4200" dirty="0">
+                <a:solidFill>
+                  <a:schemeClr val="accent6"/>
+                </a:solidFill>
+                <a:latin typeface=".SF NS"/>
+              </a:rPr>
+              <a:t> generics with diff return types (polymorphism )</a:t>
+            </a:r>
+          </a:p>
+          <a:p>
+            <a:pPr marL="0" indent="0">
+              <a:buNone/>
+            </a:pPr>
+            <a:r>
+              <a:rPr lang="en-US" sz="4200" dirty="0">
+                <a:solidFill>
+                  <a:schemeClr val="accent6"/>
+                </a:solidFill>
+                <a:latin typeface=".SF NS"/>
+              </a:rPr>
+              <a:t> in spring we use composition more than extending a class</a:t>
+            </a:r>
+          </a:p>
+          <a:p>
+            <a:pPr marL="0" indent="0">
+              <a:buNone/>
+            </a:pPr>
+            <a:r>
+              <a:rPr lang="en-US" sz="4200" dirty="0">
+                <a:solidFill>
+                  <a:schemeClr val="accent6"/>
+                </a:solidFill>
+                <a:effectLst/>
+                <a:latin typeface=".SF NS"/>
+              </a:rPr>
+              <a:t>Final class no</a:t>
+            </a:r>
+            <a:r>
+              <a:rPr lang="en-US" sz="4200" dirty="0">
+                <a:solidFill>
+                  <a:schemeClr val="accent6"/>
+                </a:solidFill>
+                <a:latin typeface=".SF NS"/>
+              </a:rPr>
+              <a:t>t for inheritance </a:t>
+            </a:r>
+            <a:endParaRPr lang="en-US" dirty="0">
+              <a:solidFill>
+                <a:srgbClr val="0E0E0E"/>
+              </a:solidFill>
+              <a:effectLst/>
+              <a:latin typeface=".SF NS"/>
+            </a:endParaRPr>
+          </a:p>
+        </p:txBody>
+      </p:sp>
+      <p:sp>
+        <p:nvSpPr>
+          <p:cNvPr id="3" name="Slide Number Placeholder 2">
+            <a:extLst>
+              <a:ext uri="{FF2B5EF4-FFF2-40B4-BE49-F238E27FC236}">
+                <a16:creationId xmlns:a16="http://schemas.microsoft.com/office/drawing/2014/main" id="{089920E1-1F47-D3FB-B5CD-7110B3795525}"/>
+              </a:ext>
+            </a:extLst>
+          </p:cNvPr>
+          <p:cNvSpPr>
+            <a:spLocks noGrp="1"/>
+          </p:cNvSpPr>
+          <p:nvPr>
+            <p:ph type="sldNum" sz="quarter" idx="12"/>
+          </p:nvPr>
+        </p:nvSpPr>
+        <p:spPr>
+          <a:xfrm>
+            <a:off x="911352" y="6246622"/>
+            <a:ext cx="2670048" cy="365125"/>
+          </a:xfrm>
+        </p:spPr>
+        <p:txBody>
+          <a:bodyPr anchor="ctr">
+            <a:normAutofit/>
+          </a:bodyPr>
+          <a:lstStyle/>
+          <a:p>
+            <a:pPr>
+              <a:spcAft>
+                <a:spcPts val="600"/>
+              </a:spcAft>
+            </a:pPr>
+            <a:fld id="{B5CEABB6-07DC-46E8-9B57-56EC44A396E5}" type="slidenum">
+              <a:rPr lang="en-US" smtClean="0"/>
+              <a:pPr>
+                <a:spcAft>
+                  <a:spcPts val="600"/>
+                </a:spcAft>
+              </a:pPr>
+              <a:t>21</a:t>
+            </a:fld>
+            <a:endParaRPr lang="en-US"/>
+          </a:p>
+        </p:txBody>
+      </p:sp>
+    </p:spTree>
+    <p:extLst>
+      <p:ext uri="{BB962C8B-B14F-4D97-AF65-F5344CB8AC3E}">
+        <p14:creationId xmlns:p14="http://schemas.microsoft.com/office/powerpoint/2010/main" val="3530816108"/>
       </p:ext>
     </p:extLst>
   </p:cSld>
